--- a/RAD!!!!.pptx
+++ b/RAD!!!!.pptx
@@ -9582,7 +9582,7 @@
         <p:spPr>
           <a:xfrm>
             <a:off x="0" y="88899"/>
-            <a:ext cx="2895600" cy="1325563"/>
+            <a:ext cx="6333688" cy="1325563"/>
           </a:xfrm>
         </p:spPr>
         <p:txBody>
@@ -9591,7 +9591,7 @@
           <a:p>
             <a:r>
               <a:rPr lang="en-US" dirty="0"/>
-              <a:t>Design</a:t>
+              <a:t>Design and success criteria </a:t>
             </a:r>
           </a:p>
         </p:txBody>
@@ -9822,6 +9822,120 @@
                 </a:solidFill>
               </a:rPr>
               <a:t>It will show the user their balance and also allow them to change their balance if they want to withdraw/give money into their account</a:t>
+            </a:r>
+          </a:p>
+        </p:txBody>
+      </p:sp>
+      <p:sp>
+        <p:nvSpPr>
+          <p:cNvPr id="3" name="TextBox 2">
+            <a:extLst>
+              <a:ext uri="{FF2B5EF4-FFF2-40B4-BE49-F238E27FC236}">
+                <a16:creationId xmlns:a16="http://schemas.microsoft.com/office/drawing/2014/main" id="{789E2524-057A-ACB6-A723-DC1F22E572FF}"/>
+              </a:ext>
+            </a:extLst>
+          </p:cNvPr>
+          <p:cNvSpPr txBox="1"/>
+          <p:nvPr/>
+        </p:nvSpPr>
+        <p:spPr>
+          <a:xfrm>
+            <a:off x="8808440" y="1610685"/>
+            <a:ext cx="3383560" cy="3785652"/>
+          </a:xfrm>
+          <a:prstGeom prst="rect">
+            <a:avLst/>
+          </a:prstGeom>
+          <a:noFill/>
+        </p:spPr>
+        <p:txBody>
+          <a:bodyPr wrap="square" rtlCol="0">
+            <a:spAutoFit/>
+          </a:bodyPr>
+          <a:lstStyle/>
+          <a:p>
+            <a:r>
+              <a:rPr lang="en-GB" sz="2400" dirty="0">
+                <a:solidFill>
+                  <a:schemeClr val="bg1"/>
+                </a:solidFill>
+              </a:rPr>
+              <a:t>Success criteria:</a:t>
+            </a:r>
+          </a:p>
+          <a:p>
+            <a:pPr marL="285750" indent="-285750">
+              <a:buFont typeface="Arial" panose="020B0604020202020204" pitchFamily="34" charset="0"/>
+              <a:buChar char="•"/>
+            </a:pPr>
+            <a:endParaRPr lang="en-GB" sz="2400" dirty="0">
+              <a:solidFill>
+                <a:schemeClr val="bg1"/>
+              </a:solidFill>
+            </a:endParaRPr>
+          </a:p>
+          <a:p>
+            <a:pPr marL="285750" indent="-285750">
+              <a:buFont typeface="Arial" panose="020B0604020202020204" pitchFamily="34" charset="0"/>
+              <a:buChar char="•"/>
+            </a:pPr>
+            <a:r>
+              <a:rPr lang="en-GB" sz="2400" dirty="0">
+                <a:solidFill>
+                  <a:schemeClr val="bg1"/>
+                </a:solidFill>
+              </a:rPr>
+              <a:t>Login system gives right responses to requests</a:t>
+            </a:r>
+          </a:p>
+          <a:p>
+            <a:pPr marL="285750" indent="-285750">
+              <a:buFont typeface="Arial" panose="020B0604020202020204" pitchFamily="34" charset="0"/>
+              <a:buChar char="•"/>
+            </a:pPr>
+            <a:endParaRPr lang="en-GB" sz="2400" dirty="0">
+              <a:solidFill>
+                <a:schemeClr val="bg1"/>
+              </a:solidFill>
+            </a:endParaRPr>
+          </a:p>
+          <a:p>
+            <a:pPr marL="285750" indent="-285750">
+              <a:buFont typeface="Arial" panose="020B0604020202020204" pitchFamily="34" charset="0"/>
+              <a:buChar char="•"/>
+            </a:pPr>
+            <a:r>
+              <a:rPr lang="en-GB" sz="2400" dirty="0">
+                <a:solidFill>
+                  <a:schemeClr val="bg1"/>
+                </a:solidFill>
+              </a:rPr>
+              <a:t>Only show own private data</a:t>
+            </a:r>
+          </a:p>
+          <a:p>
+            <a:pPr marL="285750" indent="-285750">
+              <a:buFont typeface="Arial" panose="020B0604020202020204" pitchFamily="34" charset="0"/>
+              <a:buChar char="•"/>
+            </a:pPr>
+            <a:endParaRPr lang="en-GB" sz="2400" dirty="0">
+              <a:solidFill>
+                <a:schemeClr val="bg1"/>
+              </a:solidFill>
+            </a:endParaRPr>
+          </a:p>
+          <a:p>
+            <a:pPr marL="285750" indent="-285750">
+              <a:buFont typeface="Arial" panose="020B0604020202020204" pitchFamily="34" charset="0"/>
+              <a:buChar char="•"/>
+            </a:pPr>
+            <a:r>
+              <a:rPr lang="en-GB" sz="2400" dirty="0">
+                <a:solidFill>
+                  <a:schemeClr val="bg1"/>
+                </a:solidFill>
+              </a:rPr>
+              <a:t>Functional GUI</a:t>
             </a:r>
           </a:p>
         </p:txBody>
@@ -10631,27 +10745,6 @@
 </file>
 
 <file path=customXml/item1.xml><?xml version="1.0" encoding="utf-8"?>
-<p:properties xmlns:p="http://schemas.microsoft.com/office/2006/metadata/properties" xmlns:xsi="http://www.w3.org/2001/XMLSchema-instance" xmlns:pc="http://schemas.microsoft.com/office/infopath/2007/PartnerControls">
-  <documentManagement>
-    <MediaServiceKeyPoints xmlns="70bf9497-2b73-47ef-a7d6-e35f61b841c1" xsi:nil="true"/>
-    <FileHash xmlns="70bf9497-2b73-47ef-a7d6-e35f61b841c1" xsi:nil="true"/>
-    <CloudMigratorOriginId xmlns="70bf9497-2b73-47ef-a7d6-e35f61b841c1" xsi:nil="true"/>
-    <CloudMigratorVersion xmlns="70bf9497-2b73-47ef-a7d6-e35f61b841c1" xsi:nil="true"/>
-    <UniqueSourceRef xmlns="70bf9497-2b73-47ef-a7d6-e35f61b841c1" xsi:nil="true"/>
-  </documentManagement>
-</p:properties>
-</file>
-
-<file path=customXml/item2.xml><?xml version="1.0" encoding="utf-8"?>
-<?mso-contentType ?>
-<FormTemplates xmlns="http://schemas.microsoft.com/sharepoint/v3/contenttype/forms">
-  <Display>DocumentLibraryForm</Display>
-  <Edit>DocumentLibraryForm</Edit>
-  <New>DocumentLibraryForm</New>
-</FormTemplates>
-</file>
-
-<file path=customXml/item3.xml><?xml version="1.0" encoding="utf-8"?>
 <ct:contentTypeSchema xmlns:ct="http://schemas.microsoft.com/office/2006/metadata/contentType" xmlns:ma="http://schemas.microsoft.com/office/2006/metadata/properties/metaAttributes" ct:_="" ma:_="" ma:contentTypeName="Document" ma:contentTypeID="0x01010061036A3D6407494CB85552881768C84E" ma:contentTypeVersion="11" ma:contentTypeDescription="Create a new document." ma:contentTypeScope="" ma:versionID="e3bacd073bc459ca31c261e99db047c3">
   <xsd:schema xmlns:xsd="http://www.w3.org/2001/XMLSchema" xmlns:xs="http://www.w3.org/2001/XMLSchema" xmlns:p="http://schemas.microsoft.com/office/2006/metadata/properties" xmlns:ns3="70bf9497-2b73-47ef-a7d6-e35f61b841c1" targetNamespace="http://schemas.microsoft.com/office/2006/metadata/properties" ma:root="true" ma:fieldsID="2c4953e44fcaabee3f49637fb86d9337" ns3:_="">
     <xsd:import namespace="70bf9497-2b73-47ef-a7d6-e35f61b841c1"/>
@@ -10863,31 +10956,28 @@
 </ct:contentTypeSchema>
 </file>
 
-<file path=customXml/itemProps1.xml><?xml version="1.0" encoding="utf-8"?>
-<ds:datastoreItem xmlns:ds="http://schemas.openxmlformats.org/officeDocument/2006/customXml" ds:itemID="{29C43685-694E-4579-B109-3C418D49DA65}">
-  <ds:schemaRefs>
-    <ds:schemaRef ds:uri="http://schemas.microsoft.com/office/infopath/2007/PartnerControls"/>
-    <ds:schemaRef ds:uri="http://www.w3.org/XML/1998/namespace"/>
-    <ds:schemaRef ds:uri="http://schemas.microsoft.com/office/2006/documentManagement/types"/>
-    <ds:schemaRef ds:uri="http://purl.org/dc/elements/1.1/"/>
-    <ds:schemaRef ds:uri="http://purl.org/dc/terms/"/>
-    <ds:schemaRef ds:uri="http://schemas.openxmlformats.org/package/2006/metadata/core-properties"/>
-    <ds:schemaRef ds:uri="http://purl.org/dc/dcmitype/"/>
-    <ds:schemaRef ds:uri="70bf9497-2b73-47ef-a7d6-e35f61b841c1"/>
-    <ds:schemaRef ds:uri="http://schemas.microsoft.com/office/2006/metadata/properties"/>
-  </ds:schemaRefs>
-</ds:datastoreItem>
+<file path=customXml/item2.xml><?xml version="1.0" encoding="utf-8"?>
+<?mso-contentType ?>
+<FormTemplates xmlns="http://schemas.microsoft.com/sharepoint/v3/contenttype/forms">
+  <Display>DocumentLibraryForm</Display>
+  <Edit>DocumentLibraryForm</Edit>
+  <New>DocumentLibraryForm</New>
+</FormTemplates>
 </file>
 
-<file path=customXml/itemProps2.xml><?xml version="1.0" encoding="utf-8"?>
-<ds:datastoreItem xmlns:ds="http://schemas.openxmlformats.org/officeDocument/2006/customXml" ds:itemID="{0FD6FE22-81A0-4500-AFD0-342D21BB9A2C}">
-  <ds:schemaRefs>
-    <ds:schemaRef ds:uri="http://schemas.microsoft.com/sharepoint/v3/contenttype/forms"/>
-  </ds:schemaRefs>
-</ds:datastoreItem>
+<file path=customXml/item3.xml><?xml version="1.0" encoding="utf-8"?>
+<p:properties xmlns:p="http://schemas.microsoft.com/office/2006/metadata/properties" xmlns:xsi="http://www.w3.org/2001/XMLSchema-instance" xmlns:pc="http://schemas.microsoft.com/office/infopath/2007/PartnerControls">
+  <documentManagement>
+    <MediaServiceKeyPoints xmlns="70bf9497-2b73-47ef-a7d6-e35f61b841c1" xsi:nil="true"/>
+    <FileHash xmlns="70bf9497-2b73-47ef-a7d6-e35f61b841c1" xsi:nil="true"/>
+    <CloudMigratorOriginId xmlns="70bf9497-2b73-47ef-a7d6-e35f61b841c1" xsi:nil="true"/>
+    <CloudMigratorVersion xmlns="70bf9497-2b73-47ef-a7d6-e35f61b841c1" xsi:nil="true"/>
+    <UniqueSourceRef xmlns="70bf9497-2b73-47ef-a7d6-e35f61b841c1" xsi:nil="true"/>
+  </documentManagement>
+</p:properties>
 </file>
 
-<file path=customXml/itemProps3.xml><?xml version="1.0" encoding="utf-8"?>
+<file path=customXml/itemProps1.xml><?xml version="1.0" encoding="utf-8"?>
 <ds:datastoreItem xmlns:ds="http://schemas.openxmlformats.org/officeDocument/2006/customXml" ds:itemID="{8CBD11F1-703F-404D-9D7F-1ED9059AAEFE}">
   <ds:schemaRefs>
     <ds:schemaRef ds:uri="http://schemas.microsoft.com/office/2006/metadata/contentType"/>
@@ -10905,6 +10995,30 @@
 </ds:datastoreItem>
 </file>
 
+<file path=customXml/itemProps2.xml><?xml version="1.0" encoding="utf-8"?>
+<ds:datastoreItem xmlns:ds="http://schemas.openxmlformats.org/officeDocument/2006/customXml" ds:itemID="{0FD6FE22-81A0-4500-AFD0-342D21BB9A2C}">
+  <ds:schemaRefs>
+    <ds:schemaRef ds:uri="http://schemas.microsoft.com/sharepoint/v3/contenttype/forms"/>
+  </ds:schemaRefs>
+</ds:datastoreItem>
+</file>
+
+<file path=customXml/itemProps3.xml><?xml version="1.0" encoding="utf-8"?>
+<ds:datastoreItem xmlns:ds="http://schemas.openxmlformats.org/officeDocument/2006/customXml" ds:itemID="{29C43685-694E-4579-B109-3C418D49DA65}">
+  <ds:schemaRefs>
+    <ds:schemaRef ds:uri="http://schemas.microsoft.com/office/infopath/2007/PartnerControls"/>
+    <ds:schemaRef ds:uri="http://www.w3.org/XML/1998/namespace"/>
+    <ds:schemaRef ds:uri="http://schemas.microsoft.com/office/2006/documentManagement/types"/>
+    <ds:schemaRef ds:uri="http://purl.org/dc/elements/1.1/"/>
+    <ds:schemaRef ds:uri="http://purl.org/dc/terms/"/>
+    <ds:schemaRef ds:uri="http://schemas.openxmlformats.org/package/2006/metadata/core-properties"/>
+    <ds:schemaRef ds:uri="http://purl.org/dc/dcmitype/"/>
+    <ds:schemaRef ds:uri="70bf9497-2b73-47ef-a7d6-e35f61b841c1"/>
+    <ds:schemaRef ds:uri="http://schemas.microsoft.com/office/2006/metadata/properties"/>
+  </ds:schemaRefs>
+</ds:datastoreItem>
+</file>
+
 <file path=docMetadata/LabelInfo.xml><?xml version="1.0" encoding="utf-8"?>
 <clbl:labelList xmlns:clbl="http://schemas.microsoft.com/office/2020/mipLabelMetadata">
   <clbl:label id="{f42aa342-8706-4288-bd11-ebb85995028c}" enabled="1" method="Standard" siteId="{72f988bf-86f1-41af-91ab-2d7cd011db47}" removed="0"/>
